--- a/KRSSG presentation.pptx
+++ b/KRSSG presentation.pptx
@@ -9,11 +9,13 @@
     <p:sldId id="257" r:id="rId3"/>
     <p:sldId id="258" r:id="rId4"/>
     <p:sldId id="259" r:id="rId5"/>
-    <p:sldId id="260" r:id="rId6"/>
-    <p:sldId id="261" r:id="rId7"/>
-    <p:sldId id="262" r:id="rId8"/>
-    <p:sldId id="263" r:id="rId9"/>
-    <p:sldId id="264" r:id="rId10"/>
+    <p:sldId id="265" r:id="rId6"/>
+    <p:sldId id="260" r:id="rId7"/>
+    <p:sldId id="261" r:id="rId8"/>
+    <p:sldId id="262" r:id="rId9"/>
+    <p:sldId id="266" r:id="rId10"/>
+    <p:sldId id="267" r:id="rId11"/>
+    <p:sldId id="264" r:id="rId12"/>
   </p:sldIdLst>
   <p:sldSz cx="12192000" cy="6858000"/>
   <p:notesSz cx="6858000" cy="9144000"/>
@@ -381,7 +383,7 @@
           <a:p>
             <a:fld id="{1B4041A9-1A94-4E62-8447-9D699E0DC952}" type="datetimeFigureOut">
               <a:rPr lang="en-IN" smtClean="0"/>
-              <a:t>25-05-2023</a:t>
+              <a:t>04-06-2023</a:t>
             </a:fld>
             <a:endParaRPr lang="en-IN"/>
           </a:p>
@@ -581,7 +583,7 @@
           <a:p>
             <a:fld id="{1B4041A9-1A94-4E62-8447-9D699E0DC952}" type="datetimeFigureOut">
               <a:rPr lang="en-IN" smtClean="0"/>
-              <a:t>25-05-2023</a:t>
+              <a:t>04-06-2023</a:t>
             </a:fld>
             <a:endParaRPr lang="en-IN"/>
           </a:p>
@@ -791,7 +793,7 @@
           <a:p>
             <a:fld id="{1B4041A9-1A94-4E62-8447-9D699E0DC952}" type="datetimeFigureOut">
               <a:rPr lang="en-IN" smtClean="0"/>
-              <a:t>25-05-2023</a:t>
+              <a:t>04-06-2023</a:t>
             </a:fld>
             <a:endParaRPr lang="en-IN"/>
           </a:p>
@@ -991,7 +993,7 @@
           <a:p>
             <a:fld id="{1B4041A9-1A94-4E62-8447-9D699E0DC952}" type="datetimeFigureOut">
               <a:rPr lang="en-IN" smtClean="0"/>
-              <a:t>25-05-2023</a:t>
+              <a:t>04-06-2023</a:t>
             </a:fld>
             <a:endParaRPr lang="en-IN"/>
           </a:p>
@@ -1267,7 +1269,7 @@
           <a:p>
             <a:fld id="{1B4041A9-1A94-4E62-8447-9D699E0DC952}" type="datetimeFigureOut">
               <a:rPr lang="en-IN" smtClean="0"/>
-              <a:t>25-05-2023</a:t>
+              <a:t>04-06-2023</a:t>
             </a:fld>
             <a:endParaRPr lang="en-IN"/>
           </a:p>
@@ -1535,7 +1537,7 @@
           <a:p>
             <a:fld id="{1B4041A9-1A94-4E62-8447-9D699E0DC952}" type="datetimeFigureOut">
               <a:rPr lang="en-IN" smtClean="0"/>
-              <a:t>25-05-2023</a:t>
+              <a:t>04-06-2023</a:t>
             </a:fld>
             <a:endParaRPr lang="en-IN"/>
           </a:p>
@@ -1950,7 +1952,7 @@
           <a:p>
             <a:fld id="{1B4041A9-1A94-4E62-8447-9D699E0DC952}" type="datetimeFigureOut">
               <a:rPr lang="en-IN" smtClean="0"/>
-              <a:t>25-05-2023</a:t>
+              <a:t>04-06-2023</a:t>
             </a:fld>
             <a:endParaRPr lang="en-IN"/>
           </a:p>
@@ -2092,7 +2094,7 @@
           <a:p>
             <a:fld id="{1B4041A9-1A94-4E62-8447-9D699E0DC952}" type="datetimeFigureOut">
               <a:rPr lang="en-IN" smtClean="0"/>
-              <a:t>25-05-2023</a:t>
+              <a:t>04-06-2023</a:t>
             </a:fld>
             <a:endParaRPr lang="en-IN"/>
           </a:p>
@@ -2205,7 +2207,7 @@
           <a:p>
             <a:fld id="{1B4041A9-1A94-4E62-8447-9D699E0DC952}" type="datetimeFigureOut">
               <a:rPr lang="en-IN" smtClean="0"/>
-              <a:t>25-05-2023</a:t>
+              <a:t>04-06-2023</a:t>
             </a:fld>
             <a:endParaRPr lang="en-IN"/>
           </a:p>
@@ -2518,7 +2520,7 @@
           <a:p>
             <a:fld id="{1B4041A9-1A94-4E62-8447-9D699E0DC952}" type="datetimeFigureOut">
               <a:rPr lang="en-IN" smtClean="0"/>
-              <a:t>25-05-2023</a:t>
+              <a:t>04-06-2023</a:t>
             </a:fld>
             <a:endParaRPr lang="en-IN"/>
           </a:p>
@@ -2807,7 +2809,7 @@
           <a:p>
             <a:fld id="{1B4041A9-1A94-4E62-8447-9D699E0DC952}" type="datetimeFigureOut">
               <a:rPr lang="en-IN" smtClean="0"/>
-              <a:t>25-05-2023</a:t>
+              <a:t>04-06-2023</a:t>
             </a:fld>
             <a:endParaRPr lang="en-IN"/>
           </a:p>
@@ -3050,7 +3052,7 @@
           <a:p>
             <a:fld id="{1B4041A9-1A94-4E62-8447-9D699E0DC952}" type="datetimeFigureOut">
               <a:rPr lang="en-IN" smtClean="0"/>
-              <a:t>25-05-2023</a:t>
+              <a:t>04-06-2023</a:t>
             </a:fld>
             <a:endParaRPr lang="en-IN"/>
           </a:p>
@@ -3551,6 +3553,222 @@
 </p:sld>
 </file>
 
+<file path=ppt/slides/slide10.xml><?xml version="1.0" encoding="utf-8"?>
+<p:sld xmlns:a="http://schemas.openxmlformats.org/drawingml/2006/main" xmlns:r="http://schemas.openxmlformats.org/officeDocument/2006/relationships" xmlns:p="http://schemas.openxmlformats.org/presentationml/2006/main">
+  <p:cSld>
+    <p:spTree>
+      <p:nvGrpSpPr>
+        <p:cNvPr id="1" name=""/>
+        <p:cNvGrpSpPr/>
+        <p:nvPr/>
+      </p:nvGrpSpPr>
+      <p:grpSpPr>
+        <a:xfrm>
+          <a:off x="0" y="0"/>
+          <a:ext cx="0" cy="0"/>
+          <a:chOff x="0" y="0"/>
+          <a:chExt cx="0" cy="0"/>
+        </a:xfrm>
+      </p:grpSpPr>
+      <p:sp>
+        <p:nvSpPr>
+          <p:cNvPr id="2" name="Title 1">
+            <a:extLst>
+              <a:ext uri="{FF2B5EF4-FFF2-40B4-BE49-F238E27FC236}">
+                <a16:creationId xmlns:a16="http://schemas.microsoft.com/office/drawing/2014/main" id="{BC37D38B-C379-2545-5405-09CEED5B7F0B}"/>
+              </a:ext>
+            </a:extLst>
+          </p:cNvPr>
+          <p:cNvSpPr>
+            <a:spLocks noGrp="1"/>
+          </p:cNvSpPr>
+          <p:nvPr>
+            <p:ph type="title"/>
+          </p:nvPr>
+        </p:nvSpPr>
+        <p:spPr/>
+        <p:txBody>
+          <a:bodyPr/>
+          <a:lstStyle/>
+          <a:p>
+            <a:r>
+              <a:rPr lang="en-IN" dirty="0"/>
+              <a:t>Path Planning Algorithms</a:t>
+            </a:r>
+          </a:p>
+        </p:txBody>
+      </p:sp>
+      <p:sp>
+        <p:nvSpPr>
+          <p:cNvPr id="3" name="Content Placeholder 2">
+            <a:extLst>
+              <a:ext uri="{FF2B5EF4-FFF2-40B4-BE49-F238E27FC236}">
+                <a16:creationId xmlns:a16="http://schemas.microsoft.com/office/drawing/2014/main" id="{8A562350-D10B-CA83-EA55-8374F9121EF6}"/>
+              </a:ext>
+            </a:extLst>
+          </p:cNvPr>
+          <p:cNvSpPr>
+            <a:spLocks noGrp="1"/>
+          </p:cNvSpPr>
+          <p:nvPr>
+            <p:ph idx="1"/>
+          </p:nvPr>
+        </p:nvSpPr>
+        <p:spPr/>
+        <p:txBody>
+          <a:bodyPr/>
+          <a:lstStyle/>
+          <a:p>
+            <a:r>
+              <a:rPr lang="en-IN" dirty="0"/>
+              <a:t>This is a very general class of problems that aim to find a path from one node to another in a graph. </a:t>
+            </a:r>
+          </a:p>
+          <a:p>
+            <a:r>
+              <a:rPr lang="en-IN" dirty="0"/>
+              <a:t>This is used in website searching, connecting apps like </a:t>
+            </a:r>
+            <a:r>
+              <a:rPr lang="en-IN" dirty="0" err="1"/>
+              <a:t>facebook</a:t>
+            </a:r>
+            <a:r>
+              <a:rPr lang="en-IN" dirty="0"/>
+              <a:t> and for robot path planning.</a:t>
+            </a:r>
+          </a:p>
+          <a:p>
+            <a:r>
+              <a:rPr lang="en-IN" dirty="0"/>
+              <a:t>There are many algorithms under its suit like A*, breadth first search, greedy best first search, RRT, etc.</a:t>
+            </a:r>
+          </a:p>
+          <a:p>
+            <a:r>
+              <a:rPr lang="en-IN" dirty="0"/>
+              <a:t>Now we are going to see about RRT algorithm.</a:t>
+            </a:r>
+          </a:p>
+          <a:p>
+            <a:pPr marL="0" indent="0">
+              <a:buNone/>
+            </a:pPr>
+            <a:endParaRPr lang="en-IN" dirty="0"/>
+          </a:p>
+        </p:txBody>
+      </p:sp>
+    </p:spTree>
+    <p:extLst>
+      <p:ext uri="{BB962C8B-B14F-4D97-AF65-F5344CB8AC3E}">
+        <p14:creationId xmlns:p14="http://schemas.microsoft.com/office/powerpoint/2010/main" val="3520553780"/>
+      </p:ext>
+    </p:extLst>
+  </p:cSld>
+  <p:clrMapOvr>
+    <a:masterClrMapping/>
+  </p:clrMapOvr>
+</p:sld>
+</file>
+
+<file path=ppt/slides/slide11.xml><?xml version="1.0" encoding="utf-8"?>
+<p:sld xmlns:a="http://schemas.openxmlformats.org/drawingml/2006/main" xmlns:r="http://schemas.openxmlformats.org/officeDocument/2006/relationships" xmlns:p="http://schemas.openxmlformats.org/presentationml/2006/main">
+  <p:cSld>
+    <p:spTree>
+      <p:nvGrpSpPr>
+        <p:cNvPr id="1" name=""/>
+        <p:cNvGrpSpPr/>
+        <p:nvPr/>
+      </p:nvGrpSpPr>
+      <p:grpSpPr>
+        <a:xfrm>
+          <a:off x="0" y="0"/>
+          <a:ext cx="0" cy="0"/>
+          <a:chOff x="0" y="0"/>
+          <a:chExt cx="0" cy="0"/>
+        </a:xfrm>
+      </p:grpSpPr>
+      <p:sp>
+        <p:nvSpPr>
+          <p:cNvPr id="2" name="Title 1">
+            <a:extLst>
+              <a:ext uri="{FF2B5EF4-FFF2-40B4-BE49-F238E27FC236}">
+                <a16:creationId xmlns:a16="http://schemas.microsoft.com/office/drawing/2014/main" id="{021FAA13-908C-FF61-081F-A1613C282CAA}"/>
+              </a:ext>
+            </a:extLst>
+          </p:cNvPr>
+          <p:cNvSpPr>
+            <a:spLocks noGrp="1"/>
+          </p:cNvSpPr>
+          <p:nvPr>
+            <p:ph type="title"/>
+          </p:nvPr>
+        </p:nvSpPr>
+        <p:spPr/>
+        <p:txBody>
+          <a:bodyPr/>
+          <a:lstStyle/>
+          <a:p>
+            <a:r>
+              <a:rPr lang="en-IN" dirty="0"/>
+              <a:t>Path planning Algorithm</a:t>
+            </a:r>
+          </a:p>
+        </p:txBody>
+      </p:sp>
+      <p:sp>
+        <p:nvSpPr>
+          <p:cNvPr id="3" name="Content Placeholder 2">
+            <a:extLst>
+              <a:ext uri="{FF2B5EF4-FFF2-40B4-BE49-F238E27FC236}">
+                <a16:creationId xmlns:a16="http://schemas.microsoft.com/office/drawing/2014/main" id="{24A1A04A-EE64-1EF7-70D6-8D4C439D893D}"/>
+              </a:ext>
+            </a:extLst>
+          </p:cNvPr>
+          <p:cNvSpPr>
+            <a:spLocks noGrp="1"/>
+          </p:cNvSpPr>
+          <p:nvPr>
+            <p:ph idx="1"/>
+          </p:nvPr>
+        </p:nvSpPr>
+        <p:spPr/>
+        <p:txBody>
+          <a:bodyPr/>
+          <a:lstStyle/>
+          <a:p>
+            <a:r>
+              <a:rPr lang="en-IN" dirty="0"/>
+              <a:t>Rapidly exploring random tree is an algorithm which takes a random point and gets the node that is nearest to it and gets the path.</a:t>
+            </a:r>
+          </a:p>
+          <a:p>
+            <a:r>
+              <a:rPr lang="en-IN" dirty="0"/>
+              <a:t>Here to avoid high branching of the tree that can lead to slower results and memory wastage, heuristics are used to guide the tree to branch more towards the goal. </a:t>
+            </a:r>
+          </a:p>
+          <a:p>
+            <a:r>
+              <a:rPr lang="en-IN" dirty="0"/>
+              <a:t>This algorithm gives a zig-zag result for a completely free path due to the randomness but gives a way more efficient path in  cases where the obstacles are a lot more. This is the situation in maps where the roads are less. </a:t>
+            </a:r>
+          </a:p>
+        </p:txBody>
+      </p:sp>
+    </p:spTree>
+    <p:extLst>
+      <p:ext uri="{BB962C8B-B14F-4D97-AF65-F5344CB8AC3E}">
+        <p14:creationId xmlns:p14="http://schemas.microsoft.com/office/powerpoint/2010/main" val="1207750419"/>
+      </p:ext>
+    </p:extLst>
+  </p:cSld>
+  <p:clrMapOvr>
+    <a:masterClrMapping/>
+  </p:clrMapOvr>
+</p:sld>
+</file>
+
 <file path=ppt/slides/slide2.xml><?xml version="1.0" encoding="utf-8"?>
 <p:sld xmlns:a="http://schemas.openxmlformats.org/drawingml/2006/main" xmlns:r="http://schemas.openxmlformats.org/officeDocument/2006/relationships" xmlns:p="http://schemas.openxmlformats.org/presentationml/2006/main">
   <p:cSld>
@@ -3908,7 +4126,7 @@
           <p:cNvPr id="2" name="Title 1">
             <a:extLst>
               <a:ext uri="{FF2B5EF4-FFF2-40B4-BE49-F238E27FC236}">
-                <a16:creationId xmlns:a16="http://schemas.microsoft.com/office/drawing/2014/main" id="{B548971C-5708-C84F-60D9-0CE8A6BBF8C1}"/>
+                <a16:creationId xmlns:a16="http://schemas.microsoft.com/office/drawing/2014/main" id="{833DAF26-B13B-3D90-DBC1-FC80F9423D9E}"/>
               </a:ext>
             </a:extLst>
           </p:cNvPr>
@@ -3926,7 +4144,7 @@
           <a:p>
             <a:r>
               <a:rPr lang="en-IN" dirty="0"/>
-              <a:t>Genetic Algorithm</a:t>
+              <a:t>Server-client model</a:t>
             </a:r>
           </a:p>
         </p:txBody>
@@ -3936,7 +4154,7 @@
           <p:cNvPr id="3" name="Content Placeholder 2">
             <a:extLst>
               <a:ext uri="{FF2B5EF4-FFF2-40B4-BE49-F238E27FC236}">
-                <a16:creationId xmlns:a16="http://schemas.microsoft.com/office/drawing/2014/main" id="{892457E3-A2EE-B973-7C26-3360FC8ADFA0}"/>
+                <a16:creationId xmlns:a16="http://schemas.microsoft.com/office/drawing/2014/main" id="{7C3559B0-5BF3-1B73-BCED-75F4B9AC741E}"/>
               </a:ext>
             </a:extLst>
           </p:cNvPr>
@@ -3954,44 +4172,15 @@
           <a:p>
             <a:r>
               <a:rPr lang="en-IN" dirty="0"/>
-              <a:t>These are the algorithms derived from the way nature improves on its own, the process of natural Selection. </a:t>
-            </a:r>
-          </a:p>
-          <a:p>
-            <a:r>
-              <a:rPr lang="en-IN" dirty="0"/>
-              <a:t>It incorporates the ideas related to natural selection like individuals, breeding, mutation, etc to the problem to get an approximate result(generally).</a:t>
-            </a:r>
-          </a:p>
-          <a:p>
-            <a:r>
-              <a:rPr lang="en-IN" dirty="0"/>
-              <a:t>This is done for problems that are very lengthy to compute exactly or those where an approximate solution is enough. </a:t>
-            </a:r>
-          </a:p>
-          <a:p>
-            <a:r>
-              <a:rPr lang="en-IN" dirty="0"/>
-              <a:t>Here when we increase the number of </a:t>
-            </a:r>
-            <a:r>
-              <a:rPr lang="en-IN" dirty="0" err="1"/>
-              <a:t>interations</a:t>
-            </a:r>
-            <a:r>
-              <a:rPr lang="en-IN" dirty="0"/>
-              <a:t>, the result gets more accurate.</a:t>
-            </a:r>
-          </a:p>
-          <a:p>
-            <a:endParaRPr lang="en-IN" dirty="0"/>
+              <a:t>This model is used to optimise the computation and transmission power requirements of the client.</a:t>
+            </a:r>
           </a:p>
         </p:txBody>
       </p:sp>
     </p:spTree>
     <p:extLst>
       <p:ext uri="{BB962C8B-B14F-4D97-AF65-F5344CB8AC3E}">
-        <p14:creationId xmlns:p14="http://schemas.microsoft.com/office/powerpoint/2010/main" val="1883958188"/>
+        <p14:creationId xmlns:p14="http://schemas.microsoft.com/office/powerpoint/2010/main" val="1971099048"/>
       </p:ext>
     </p:extLst>
   </p:cSld>
@@ -4023,7 +4212,7 @@
           <p:cNvPr id="2" name="Title 1">
             <a:extLst>
               <a:ext uri="{FF2B5EF4-FFF2-40B4-BE49-F238E27FC236}">
-                <a16:creationId xmlns:a16="http://schemas.microsoft.com/office/drawing/2014/main" id="{0D416DB1-2B74-750C-32A4-D294FEDB1FFE}"/>
+                <a16:creationId xmlns:a16="http://schemas.microsoft.com/office/drawing/2014/main" id="{B548971C-5708-C84F-60D9-0CE8A6BBF8C1}"/>
               </a:ext>
             </a:extLst>
           </p:cNvPr>
@@ -4041,7 +4230,7 @@
           <a:p>
             <a:r>
               <a:rPr lang="en-IN" dirty="0"/>
-              <a:t>Individuals</a:t>
+              <a:t>Genetic Algorithm</a:t>
             </a:r>
           </a:p>
         </p:txBody>
@@ -4051,7 +4240,7 @@
           <p:cNvPr id="3" name="Content Placeholder 2">
             <a:extLst>
               <a:ext uri="{FF2B5EF4-FFF2-40B4-BE49-F238E27FC236}">
-                <a16:creationId xmlns:a16="http://schemas.microsoft.com/office/drawing/2014/main" id="{A80C1E1F-8618-024A-CD95-D38D8EC3D38F}"/>
+                <a16:creationId xmlns:a16="http://schemas.microsoft.com/office/drawing/2014/main" id="{892457E3-A2EE-B973-7C26-3360FC8ADFA0}"/>
               </a:ext>
             </a:extLst>
           </p:cNvPr>
@@ -4067,20 +4256,46 @@
           <a:bodyPr/>
           <a:lstStyle/>
           <a:p>
-            <a:pPr marL="0" indent="0">
-              <a:buNone/>
-            </a:pPr>
             <a:r>
               <a:rPr lang="en-IN" dirty="0"/>
-              <a:t>In this algorithm, we create random inputs initially to create the first generation and breed it to get a more accurate result. </a:t>
-            </a:r>
+              <a:t>These are the algorithms derived from the way nature improves on its own, the process of natural Selection. </a:t>
+            </a:r>
+          </a:p>
+          <a:p>
+            <a:r>
+              <a:rPr lang="en-IN" dirty="0"/>
+              <a:t>It incorporates the ideas related to natural selection like individuals, breeding, mutation, etc to the problem to get an approximate result(generally).</a:t>
+            </a:r>
+          </a:p>
+          <a:p>
+            <a:r>
+              <a:rPr lang="en-IN" dirty="0"/>
+              <a:t>This is done for problems that are very lengthy to compute exactly or those where an approximate solution is enough. </a:t>
+            </a:r>
+          </a:p>
+          <a:p>
+            <a:r>
+              <a:rPr lang="en-IN" dirty="0"/>
+              <a:t>Here when we increase the number of </a:t>
+            </a:r>
+            <a:r>
+              <a:rPr lang="en-IN" dirty="0" err="1"/>
+              <a:t>interations</a:t>
+            </a:r>
+            <a:r>
+              <a:rPr lang="en-IN" dirty="0"/>
+              <a:t>, the result gets more accurate.</a:t>
+            </a:r>
+          </a:p>
+          <a:p>
+            <a:endParaRPr lang="en-IN" dirty="0"/>
           </a:p>
         </p:txBody>
       </p:sp>
     </p:spTree>
     <p:extLst>
       <p:ext uri="{BB962C8B-B14F-4D97-AF65-F5344CB8AC3E}">
-        <p14:creationId xmlns:p14="http://schemas.microsoft.com/office/powerpoint/2010/main" val="3248024573"/>
+        <p14:creationId xmlns:p14="http://schemas.microsoft.com/office/powerpoint/2010/main" val="1883958188"/>
       </p:ext>
     </p:extLst>
   </p:cSld>
@@ -4112,7 +4327,7 @@
           <p:cNvPr id="2" name="Title 1">
             <a:extLst>
               <a:ext uri="{FF2B5EF4-FFF2-40B4-BE49-F238E27FC236}">
-                <a16:creationId xmlns:a16="http://schemas.microsoft.com/office/drawing/2014/main" id="{37966C01-1694-7AF0-2D26-2384E1904CA3}"/>
+                <a16:creationId xmlns:a16="http://schemas.microsoft.com/office/drawing/2014/main" id="{0D416DB1-2B74-750C-32A4-D294FEDB1FFE}"/>
               </a:ext>
             </a:extLst>
           </p:cNvPr>
@@ -4128,7 +4343,10 @@
           <a:bodyPr/>
           <a:lstStyle/>
           <a:p>
-            <a:endParaRPr lang="en-IN"/>
+            <a:r>
+              <a:rPr lang="en-IN" dirty="0"/>
+              <a:t>Individuals</a:t>
+            </a:r>
           </a:p>
         </p:txBody>
       </p:sp>
@@ -4137,7 +4355,7 @@
           <p:cNvPr id="3" name="Content Placeholder 2">
             <a:extLst>
               <a:ext uri="{FF2B5EF4-FFF2-40B4-BE49-F238E27FC236}">
-                <a16:creationId xmlns:a16="http://schemas.microsoft.com/office/drawing/2014/main" id="{737E139F-00FD-3B1A-298C-5E8966A0796C}"/>
+                <a16:creationId xmlns:a16="http://schemas.microsoft.com/office/drawing/2014/main" id="{A80C1E1F-8618-024A-CD95-D38D8EC3D38F}"/>
               </a:ext>
             </a:extLst>
           </p:cNvPr>
@@ -4153,14 +4371,35 @@
           <a:bodyPr/>
           <a:lstStyle/>
           <a:p>
-            <a:endParaRPr lang="en-IN"/>
+            <a:pPr marL="0" indent="0">
+              <a:buNone/>
+            </a:pPr>
+            <a:r>
+              <a:rPr lang="en-IN" dirty="0"/>
+              <a:t>In this algorithm, we create random inputs initially to create the first generation and breed it to get a more accurate result. </a:t>
+            </a:r>
+          </a:p>
+          <a:p>
+            <a:pPr marL="0" indent="0">
+              <a:buNone/>
+            </a:pPr>
+            <a:r>
+              <a:rPr lang="en-IN" dirty="0"/>
+              <a:t>In each iteration, the population changes based on the fitness of an individual. To get some new information from our code, we mutate the individuals.</a:t>
+            </a:r>
+          </a:p>
+          <a:p>
+            <a:pPr marL="0" indent="0">
+              <a:buNone/>
+            </a:pPr>
+            <a:endParaRPr lang="en-IN" dirty="0"/>
           </a:p>
         </p:txBody>
       </p:sp>
     </p:spTree>
     <p:extLst>
       <p:ext uri="{BB962C8B-B14F-4D97-AF65-F5344CB8AC3E}">
-        <p14:creationId xmlns:p14="http://schemas.microsoft.com/office/powerpoint/2010/main" val="1745635383"/>
+        <p14:creationId xmlns:p14="http://schemas.microsoft.com/office/powerpoint/2010/main" val="3248024573"/>
       </p:ext>
     </p:extLst>
   </p:cSld>
@@ -4192,7 +4431,7 @@
           <p:cNvPr id="2" name="Title 1">
             <a:extLst>
               <a:ext uri="{FF2B5EF4-FFF2-40B4-BE49-F238E27FC236}">
-                <a16:creationId xmlns:a16="http://schemas.microsoft.com/office/drawing/2014/main" id="{A4BAAE6E-ADFE-0D29-BF83-BFE9E5CA4E3C}"/>
+                <a16:creationId xmlns:a16="http://schemas.microsoft.com/office/drawing/2014/main" id="{37966C01-1694-7AF0-2D26-2384E1904CA3}"/>
               </a:ext>
             </a:extLst>
           </p:cNvPr>
@@ -4203,19 +4442,14 @@
             <p:ph type="title"/>
           </p:nvPr>
         </p:nvSpPr>
-        <p:spPr>
-          <a:xfrm>
-            <a:off x="839788" y="457200"/>
-            <a:ext cx="3932237" cy="785004"/>
-          </a:xfrm>
-        </p:spPr>
+        <p:spPr/>
         <p:txBody>
           <a:bodyPr/>
           <a:lstStyle/>
           <a:p>
             <a:r>
               <a:rPr lang="en-IN" dirty="0"/>
-              <a:t>Individuals</a:t>
+              <a:t>Fitness Function</a:t>
             </a:r>
           </a:p>
         </p:txBody>
@@ -4225,7 +4459,7 @@
           <p:cNvPr id="3" name="Content Placeholder 2">
             <a:extLst>
               <a:ext uri="{FF2B5EF4-FFF2-40B4-BE49-F238E27FC236}">
-                <a16:creationId xmlns:a16="http://schemas.microsoft.com/office/drawing/2014/main" id="{C65DB502-2E65-D858-5A3D-C6B516BB2A33}"/>
+                <a16:creationId xmlns:a16="http://schemas.microsoft.com/office/drawing/2014/main" id="{737E139F-00FD-3B1A-298C-5E8966A0796C}"/>
               </a:ext>
             </a:extLst>
           </p:cNvPr>
@@ -4241,44 +4475,29 @@
           <a:bodyPr/>
           <a:lstStyle/>
           <a:p>
-            <a:endParaRPr lang="en-IN" dirty="0"/>
-          </a:p>
-        </p:txBody>
-      </p:sp>
-      <p:sp>
-        <p:nvSpPr>
-          <p:cNvPr id="4" name="Text Placeholder 3">
-            <a:extLst>
-              <a:ext uri="{FF2B5EF4-FFF2-40B4-BE49-F238E27FC236}">
-                <a16:creationId xmlns:a16="http://schemas.microsoft.com/office/drawing/2014/main" id="{43225CE0-CE59-AAE6-3DBE-FAD29E33F8E2}"/>
-              </a:ext>
-            </a:extLst>
-          </p:cNvPr>
-          <p:cNvSpPr>
-            <a:spLocks noGrp="1"/>
-          </p:cNvSpPr>
-          <p:nvPr>
-            <p:ph type="body" sz="half" idx="2"/>
-          </p:nvPr>
-        </p:nvSpPr>
-        <p:spPr>
-          <a:xfrm>
-            <a:off x="839788" y="1518249"/>
-            <a:ext cx="3932237" cy="4350739"/>
-          </a:xfrm>
-        </p:spPr>
-        <p:txBody>
-          <a:bodyPr/>
-          <a:lstStyle/>
-          <a:p>
-            <a:endParaRPr lang="en-IN" dirty="0"/>
+            <a:r>
+              <a:rPr lang="en-IN" dirty="0"/>
+              <a:t>Fitness function is used to estimate the fitness of a specific individual.</a:t>
+            </a:r>
+          </a:p>
+          <a:p>
+            <a:r>
+              <a:rPr lang="en-IN" dirty="0"/>
+              <a:t>It is created by understanding the parameters of the problem to some extent and incorporating them in our function.</a:t>
+            </a:r>
+          </a:p>
+          <a:p>
+            <a:r>
+              <a:rPr lang="en-IN" dirty="0"/>
+              <a:t>A more accurate fitness function gives a better guess.</a:t>
+            </a:r>
           </a:p>
         </p:txBody>
       </p:sp>
     </p:spTree>
     <p:extLst>
       <p:ext uri="{BB962C8B-B14F-4D97-AF65-F5344CB8AC3E}">
-        <p14:creationId xmlns:p14="http://schemas.microsoft.com/office/powerpoint/2010/main" val="980534615"/>
+        <p14:creationId xmlns:p14="http://schemas.microsoft.com/office/powerpoint/2010/main" val="1745635383"/>
       </p:ext>
     </p:extLst>
   </p:cSld>
@@ -4310,7 +4529,7 @@
           <p:cNvPr id="2" name="Title 1">
             <a:extLst>
               <a:ext uri="{FF2B5EF4-FFF2-40B4-BE49-F238E27FC236}">
-                <a16:creationId xmlns:a16="http://schemas.microsoft.com/office/drawing/2014/main" id="{021FAA13-908C-FF61-081F-A1613C282CAA}"/>
+                <a16:creationId xmlns:a16="http://schemas.microsoft.com/office/drawing/2014/main" id="{7C89BBA6-589D-0722-FB18-6F9692A6181D}"/>
               </a:ext>
             </a:extLst>
           </p:cNvPr>
@@ -4328,48 +4547,52 @@
           <a:p>
             <a:r>
               <a:rPr lang="en-IN" dirty="0"/>
-              <a:t>Path planning </a:t>
-            </a:r>
-            <a:r>
-              <a:rPr lang="en-IN" dirty="0" err="1"/>
-              <a:t>Algorithm:RRT</a:t>
-            </a:r>
+              <a:t>Mutation</a:t>
+            </a:r>
+          </a:p>
+        </p:txBody>
+      </p:sp>
+      <p:sp>
+        <p:nvSpPr>
+          <p:cNvPr id="3" name="Content Placeholder 2">
+            <a:extLst>
+              <a:ext uri="{FF2B5EF4-FFF2-40B4-BE49-F238E27FC236}">
+                <a16:creationId xmlns:a16="http://schemas.microsoft.com/office/drawing/2014/main" id="{A4F5B7F8-20B3-ABFF-BC2E-944D3A701073}"/>
+              </a:ext>
+            </a:extLst>
+          </p:cNvPr>
+          <p:cNvSpPr>
+            <a:spLocks noGrp="1"/>
+          </p:cNvSpPr>
+          <p:nvPr>
+            <p:ph idx="1"/>
+          </p:nvPr>
+        </p:nvSpPr>
+        <p:spPr/>
+        <p:txBody>
+          <a:bodyPr/>
+          <a:lstStyle/>
+          <a:p>
+            <a:r>
+              <a:rPr lang="en-IN" dirty="0"/>
+              <a:t>This is encouraged from the concept of natural selection. The individuals which have a advantageous fitness function are changed to some extent randomly so that the individuals have some new features apart from their parents.</a:t>
+            </a:r>
+          </a:p>
+          <a:p>
+            <a:r>
+              <a:rPr lang="en-IN" dirty="0"/>
+              <a:t>When the features are powerful, it gives rise to a better solution.</a:t>
+            </a:r>
+          </a:p>
+          <a:p>
             <a:endParaRPr lang="en-IN" dirty="0"/>
-          </a:p>
-        </p:txBody>
-      </p:sp>
-      <p:sp>
-        <p:nvSpPr>
-          <p:cNvPr id="3" name="Content Placeholder 2">
-            <a:extLst>
-              <a:ext uri="{FF2B5EF4-FFF2-40B4-BE49-F238E27FC236}">
-                <a16:creationId xmlns:a16="http://schemas.microsoft.com/office/drawing/2014/main" id="{24A1A04A-EE64-1EF7-70D6-8D4C439D893D}"/>
-              </a:ext>
-            </a:extLst>
-          </p:cNvPr>
-          <p:cNvSpPr>
-            <a:spLocks noGrp="1"/>
-          </p:cNvSpPr>
-          <p:nvPr>
-            <p:ph idx="1"/>
-          </p:nvPr>
-        </p:nvSpPr>
-        <p:spPr/>
-        <p:txBody>
-          <a:bodyPr/>
-          <a:lstStyle/>
-          <a:p>
-            <a:r>
-              <a:rPr lang="en-IN" dirty="0"/>
-              <a:t>Rapidly exploring random tree is an algorithm which takes a random point and gets the node that is nearest to it and gets the path.</a:t>
-            </a:r>
           </a:p>
         </p:txBody>
       </p:sp>
     </p:spTree>
     <p:extLst>
       <p:ext uri="{BB962C8B-B14F-4D97-AF65-F5344CB8AC3E}">
-        <p14:creationId xmlns:p14="http://schemas.microsoft.com/office/powerpoint/2010/main" val="1207750419"/>
+        <p14:creationId xmlns:p14="http://schemas.microsoft.com/office/powerpoint/2010/main" val="3113629303"/>
       </p:ext>
     </p:extLst>
   </p:cSld>
